--- a/作業メモ.pptx
+++ b/作業メモ.pptx
@@ -259,7 +259,7 @@
           <a:p>
             <a:fld id="{68ABA0AB-8B54-469B-8F7A-7AFA34365840}" type="datetimeFigureOut">
               <a:rPr kumimoji="1" lang="ja-JP" altLang="en-US" smtClean="0"/>
-              <a:t>2023/1/27</a:t>
+              <a:t>2024/9/18</a:t>
             </a:fld>
             <a:endParaRPr kumimoji="1" lang="ja-JP" altLang="en-US"/>
           </a:p>
@@ -489,7 +489,7 @@
           <a:p>
             <a:fld id="{68ABA0AB-8B54-469B-8F7A-7AFA34365840}" type="datetimeFigureOut">
               <a:rPr kumimoji="1" lang="ja-JP" altLang="en-US" smtClean="0"/>
-              <a:t>2023/1/27</a:t>
+              <a:t>2024/9/18</a:t>
             </a:fld>
             <a:endParaRPr kumimoji="1" lang="ja-JP" altLang="en-US"/>
           </a:p>
@@ -729,7 +729,7 @@
           <a:p>
             <a:fld id="{68ABA0AB-8B54-469B-8F7A-7AFA34365840}" type="datetimeFigureOut">
               <a:rPr kumimoji="1" lang="ja-JP" altLang="en-US" smtClean="0"/>
-              <a:t>2023/1/27</a:t>
+              <a:t>2024/9/18</a:t>
             </a:fld>
             <a:endParaRPr kumimoji="1" lang="ja-JP" altLang="en-US"/>
           </a:p>
@@ -959,7 +959,7 @@
           <a:p>
             <a:fld id="{68ABA0AB-8B54-469B-8F7A-7AFA34365840}" type="datetimeFigureOut">
               <a:rPr kumimoji="1" lang="ja-JP" altLang="en-US" smtClean="0"/>
-              <a:t>2023/1/27</a:t>
+              <a:t>2024/9/18</a:t>
             </a:fld>
             <a:endParaRPr kumimoji="1" lang="ja-JP" altLang="en-US"/>
           </a:p>
@@ -1234,7 +1234,7 @@
           <a:p>
             <a:fld id="{68ABA0AB-8B54-469B-8F7A-7AFA34365840}" type="datetimeFigureOut">
               <a:rPr kumimoji="1" lang="ja-JP" altLang="en-US" smtClean="0"/>
-              <a:t>2023/1/27</a:t>
+              <a:t>2024/9/18</a:t>
             </a:fld>
             <a:endParaRPr kumimoji="1" lang="ja-JP" altLang="en-US"/>
           </a:p>
@@ -1563,7 +1563,7 @@
           <a:p>
             <a:fld id="{68ABA0AB-8B54-469B-8F7A-7AFA34365840}" type="datetimeFigureOut">
               <a:rPr kumimoji="1" lang="ja-JP" altLang="en-US" smtClean="0"/>
-              <a:t>2023/1/27</a:t>
+              <a:t>2024/9/18</a:t>
             </a:fld>
             <a:endParaRPr kumimoji="1" lang="ja-JP" altLang="en-US"/>
           </a:p>
@@ -2039,7 +2039,7 @@
           <a:p>
             <a:fld id="{68ABA0AB-8B54-469B-8F7A-7AFA34365840}" type="datetimeFigureOut">
               <a:rPr kumimoji="1" lang="ja-JP" altLang="en-US" smtClean="0"/>
-              <a:t>2023/1/27</a:t>
+              <a:t>2024/9/18</a:t>
             </a:fld>
             <a:endParaRPr kumimoji="1" lang="ja-JP" altLang="en-US"/>
           </a:p>
@@ -2180,7 +2180,7 @@
           <a:p>
             <a:fld id="{68ABA0AB-8B54-469B-8F7A-7AFA34365840}" type="datetimeFigureOut">
               <a:rPr kumimoji="1" lang="ja-JP" altLang="en-US" smtClean="0"/>
-              <a:t>2023/1/27</a:t>
+              <a:t>2024/9/18</a:t>
             </a:fld>
             <a:endParaRPr kumimoji="1" lang="ja-JP" altLang="en-US"/>
           </a:p>
@@ -2293,7 +2293,7 @@
           <a:p>
             <a:fld id="{68ABA0AB-8B54-469B-8F7A-7AFA34365840}" type="datetimeFigureOut">
               <a:rPr kumimoji="1" lang="ja-JP" altLang="en-US" smtClean="0"/>
-              <a:t>2023/1/27</a:t>
+              <a:t>2024/9/18</a:t>
             </a:fld>
             <a:endParaRPr kumimoji="1" lang="ja-JP" altLang="en-US"/>
           </a:p>
@@ -2636,7 +2636,7 @@
           <a:p>
             <a:fld id="{68ABA0AB-8B54-469B-8F7A-7AFA34365840}" type="datetimeFigureOut">
               <a:rPr kumimoji="1" lang="ja-JP" altLang="en-US" smtClean="0"/>
-              <a:t>2023/1/27</a:t>
+              <a:t>2024/9/18</a:t>
             </a:fld>
             <a:endParaRPr kumimoji="1" lang="ja-JP" altLang="en-US"/>
           </a:p>
@@ -2924,7 +2924,7 @@
           <a:p>
             <a:fld id="{68ABA0AB-8B54-469B-8F7A-7AFA34365840}" type="datetimeFigureOut">
               <a:rPr kumimoji="1" lang="ja-JP" altLang="en-US" smtClean="0"/>
-              <a:t>2023/1/27</a:t>
+              <a:t>2024/9/18</a:t>
             </a:fld>
             <a:endParaRPr kumimoji="1" lang="ja-JP" altLang="en-US"/>
           </a:p>
@@ -3197,7 +3197,7 @@
           <a:p>
             <a:fld id="{68ABA0AB-8B54-469B-8F7A-7AFA34365840}" type="datetimeFigureOut">
               <a:rPr kumimoji="1" lang="ja-JP" altLang="en-US" smtClean="0"/>
-              <a:t>2023/1/27</a:t>
+              <a:t>2024/9/18</a:t>
             </a:fld>
             <a:endParaRPr kumimoji="1" lang="ja-JP" altLang="en-US"/>
           </a:p>
@@ -3629,7 +3629,7 @@
         <p:spPr>
           <a:xfrm>
             <a:off x="225084" y="161046"/>
-            <a:ext cx="10311618" cy="369332"/>
+            <a:ext cx="10311618" cy="4801314"/>
           </a:xfrm>
           <a:prstGeom prst="rect">
             <a:avLst/>
@@ -3644,12 +3644,12 @@
           <a:p>
             <a:pPr algn="l"/>
             <a:r>
-              <a:rPr lang="ja-JP" altLang="en-US">
+              <a:rPr lang="ja-JP" altLang="en-US" dirty="0">
                 <a:latin typeface="Arial" panose="020B0604020202020204" pitchFamily="34" charset="0"/>
                 <a:ea typeface="ＭＳ ゴシック" panose="020B0609070205080204" pitchFamily="49" charset="-128"/>
                 <a:cs typeface="Arial" panose="020B0604020202020204" pitchFamily="34" charset="0"/>
               </a:rPr>
-              <a:t>テンプレ</a:t>
+              <a:t>編集対象</a:t>
             </a:r>
             <a:endParaRPr lang="en-US" altLang="ja-JP" dirty="0">
               <a:latin typeface="Arial" panose="020B0604020202020204" pitchFamily="34" charset="0"/>
@@ -3657,8 +3657,348 @@
               <a:cs typeface="Arial" panose="020B0604020202020204" pitchFamily="34" charset="0"/>
             </a:endParaRPr>
           </a:p>
-        </p:txBody>
-      </p:sp>
+          <a:p>
+            <a:pPr algn="l"/>
+            <a:r>
+              <a:rPr lang="ja-JP" altLang="en-US" dirty="0">
+                <a:latin typeface="Arial" panose="020B0604020202020204" pitchFamily="34" charset="0"/>
+                <a:ea typeface="ＭＳ ゴシック" panose="020B0609070205080204" pitchFamily="49" charset="-128"/>
+                <a:cs typeface="Arial" panose="020B0604020202020204" pitchFamily="34" charset="0"/>
+              </a:rPr>
+              <a:t>商品ページの</a:t>
+            </a:r>
+            <a:r>
+              <a:rPr lang="en-US" altLang="ja-JP" dirty="0" err="1">
+                <a:latin typeface="Arial" panose="020B0604020202020204" pitchFamily="34" charset="0"/>
+                <a:ea typeface="ＭＳ ゴシック" panose="020B0609070205080204" pitchFamily="49" charset="-128"/>
+                <a:cs typeface="Arial" panose="020B0604020202020204" pitchFamily="34" charset="0"/>
+              </a:rPr>
+              <a:t>packBag</a:t>
+            </a:r>
+            <a:r>
+              <a:rPr lang="en-US" altLang="ja-JP" dirty="0">
+                <a:latin typeface="Arial" panose="020B0604020202020204" pitchFamily="34" charset="0"/>
+                <a:ea typeface="ＭＳ ゴシック" panose="020B0609070205080204" pitchFamily="49" charset="-128"/>
+                <a:cs typeface="Arial" panose="020B0604020202020204" pitchFamily="34" charset="0"/>
+              </a:rPr>
+              <a:t>+</a:t>
+            </a:r>
+            <a:r>
+              <a:rPr lang="ja-JP" altLang="en-US" dirty="0">
+                <a:latin typeface="Arial" panose="020B0604020202020204" pitchFamily="34" charset="0"/>
+                <a:ea typeface="ＭＳ ゴシック" panose="020B0609070205080204" pitchFamily="49" charset="-128"/>
+                <a:cs typeface="Arial" panose="020B0604020202020204" pitchFamily="34" charset="0"/>
+              </a:rPr>
+              <a:t>の横幅</a:t>
+            </a:r>
+            <a:r>
+              <a:rPr lang="en-US" altLang="ja-JP" dirty="0">
+                <a:latin typeface="Arial" panose="020B0604020202020204" pitchFamily="34" charset="0"/>
+                <a:ea typeface="ＭＳ ゴシック" panose="020B0609070205080204" pitchFamily="49" charset="-128"/>
+                <a:cs typeface="Arial" panose="020B0604020202020204" pitchFamily="34" charset="0"/>
+              </a:rPr>
+              <a:t>max</a:t>
+            </a:r>
+            <a:r>
+              <a:rPr lang="ja-JP" altLang="en-US" dirty="0">
+                <a:latin typeface="Arial" panose="020B0604020202020204" pitchFamily="34" charset="0"/>
+                <a:ea typeface="ＭＳ ゴシック" panose="020B0609070205080204" pitchFamily="49" charset="-128"/>
+                <a:cs typeface="Arial" panose="020B0604020202020204" pitchFamily="34" charset="0"/>
+              </a:rPr>
+              <a:t>をへん集</a:t>
+            </a:r>
+            <a:endParaRPr lang="en-US" altLang="ja-JP" dirty="0">
+              <a:latin typeface="Arial" panose="020B0604020202020204" pitchFamily="34" charset="0"/>
+              <a:ea typeface="ＭＳ ゴシック" panose="020B0609070205080204" pitchFamily="49" charset="-128"/>
+              <a:cs typeface="Arial" panose="020B0604020202020204" pitchFamily="34" charset="0"/>
+            </a:endParaRPr>
+          </a:p>
+          <a:p>
+            <a:pPr algn="l"/>
+            <a:endParaRPr lang="en-US" altLang="ja-JP" dirty="0">
+              <a:latin typeface="Arial" panose="020B0604020202020204" pitchFamily="34" charset="0"/>
+              <a:ea typeface="ＭＳ ゴシック" panose="020B0609070205080204" pitchFamily="49" charset="-128"/>
+              <a:cs typeface="Arial" panose="020B0604020202020204" pitchFamily="34" charset="0"/>
+            </a:endParaRPr>
+          </a:p>
+          <a:p>
+            <a:pPr algn="l"/>
+            <a:r>
+              <a:rPr lang="en-US" altLang="ja-JP" dirty="0">
+                <a:latin typeface="Arial" panose="020B0604020202020204" pitchFamily="34" charset="0"/>
+                <a:ea typeface="ＭＳ ゴシック" panose="020B0609070205080204" pitchFamily="49" charset="-128"/>
+                <a:cs typeface="Arial" panose="020B0604020202020204" pitchFamily="34" charset="0"/>
+              </a:rPr>
+              <a:t>https://holicc.jp/products/packbagplus-single</a:t>
+            </a:r>
+          </a:p>
+          <a:p>
+            <a:pPr algn="l"/>
+            <a:endParaRPr lang="en-US" altLang="ja-JP" dirty="0">
+              <a:latin typeface="Arial" panose="020B0604020202020204" pitchFamily="34" charset="0"/>
+              <a:ea typeface="ＭＳ ゴシック" panose="020B0609070205080204" pitchFamily="49" charset="-128"/>
+              <a:cs typeface="Arial" panose="020B0604020202020204" pitchFamily="34" charset="0"/>
+            </a:endParaRPr>
+          </a:p>
+          <a:p>
+            <a:pPr algn="l"/>
+            <a:r>
+              <a:rPr lang="en-US" altLang="ja-JP" dirty="0">
+                <a:latin typeface="Arial" panose="020B0604020202020204" pitchFamily="34" charset="0"/>
+                <a:ea typeface="ＭＳ ゴシック" panose="020B0609070205080204" pitchFamily="49" charset="-128"/>
+                <a:cs typeface="Arial" panose="020B0604020202020204" pitchFamily="34" charset="0"/>
+              </a:rPr>
+              <a:t>{% section 'product-</a:t>
+            </a:r>
+            <a:r>
+              <a:rPr lang="en-US" altLang="ja-JP" dirty="0" err="1">
+                <a:latin typeface="Arial" panose="020B0604020202020204" pitchFamily="34" charset="0"/>
+                <a:ea typeface="ＭＳ ゴシック" panose="020B0609070205080204" pitchFamily="49" charset="-128"/>
+                <a:cs typeface="Arial" panose="020B0604020202020204" pitchFamily="34" charset="0"/>
+              </a:rPr>
+              <a:t>packbag</a:t>
+            </a:r>
+            <a:r>
+              <a:rPr lang="en-US" altLang="ja-JP" dirty="0">
+                <a:latin typeface="Arial" panose="020B0604020202020204" pitchFamily="34" charset="0"/>
+                <a:ea typeface="ＭＳ ゴシック" panose="020B0609070205080204" pitchFamily="49" charset="-128"/>
+                <a:cs typeface="Arial" panose="020B0604020202020204" pitchFamily="34" charset="0"/>
+              </a:rPr>
+              <a:t>-plus-single-template' %}</a:t>
+            </a:r>
+          </a:p>
+          <a:p>
+            <a:pPr algn="l"/>
+            <a:r>
+              <a:rPr lang="en-US" altLang="ja-JP" dirty="0">
+                <a:latin typeface="Arial" panose="020B0604020202020204" pitchFamily="34" charset="0"/>
+                <a:ea typeface="ＭＳ ゴシック" panose="020B0609070205080204" pitchFamily="49" charset="-128"/>
+                <a:cs typeface="Arial" panose="020B0604020202020204" pitchFamily="34" charset="0"/>
+              </a:rPr>
+              <a:t>{% section 'product-recommendations’ %}</a:t>
+            </a:r>
+          </a:p>
+          <a:p>
+            <a:pPr algn="l"/>
+            <a:endParaRPr lang="en-US" altLang="ja-JP" dirty="0">
+              <a:latin typeface="Arial" panose="020B0604020202020204" pitchFamily="34" charset="0"/>
+              <a:ea typeface="ＭＳ ゴシック" panose="020B0609070205080204" pitchFamily="49" charset="-128"/>
+              <a:cs typeface="Arial" panose="020B0604020202020204" pitchFamily="34" charset="0"/>
+            </a:endParaRPr>
+          </a:p>
+          <a:p>
+            <a:pPr algn="l"/>
+            <a:r>
+              <a:rPr lang="ja-JP" altLang="en-US" dirty="0">
+                <a:latin typeface="Arial" panose="020B0604020202020204" pitchFamily="34" charset="0"/>
+                <a:ea typeface="ＭＳ ゴシック" panose="020B0609070205080204" pitchFamily="49" charset="-128"/>
+                <a:cs typeface="Arial" panose="020B0604020202020204" pitchFamily="34" charset="0"/>
+              </a:rPr>
+              <a:t>編集セクション</a:t>
+            </a:r>
+            <a:endParaRPr lang="en-US" altLang="ja-JP" dirty="0">
+              <a:latin typeface="Arial" panose="020B0604020202020204" pitchFamily="34" charset="0"/>
+              <a:ea typeface="ＭＳ ゴシック" panose="020B0609070205080204" pitchFamily="49" charset="-128"/>
+              <a:cs typeface="Arial" panose="020B0604020202020204" pitchFamily="34" charset="0"/>
+            </a:endParaRPr>
+          </a:p>
+          <a:p>
+            <a:r>
+              <a:rPr lang="en-US" altLang="ja-JP" dirty="0">
+                <a:latin typeface="Arial" panose="020B0604020202020204" pitchFamily="34" charset="0"/>
+                <a:ea typeface="ＭＳ ゴシック" panose="020B0609070205080204" pitchFamily="49" charset="-128"/>
+                <a:cs typeface="Arial" panose="020B0604020202020204" pitchFamily="34" charset="0"/>
+              </a:rPr>
+              <a:t>{% section 'product-</a:t>
+            </a:r>
+            <a:r>
+              <a:rPr lang="en-US" altLang="ja-JP" dirty="0" err="1">
+                <a:latin typeface="Arial" panose="020B0604020202020204" pitchFamily="34" charset="0"/>
+                <a:ea typeface="ＭＳ ゴシック" panose="020B0609070205080204" pitchFamily="49" charset="-128"/>
+                <a:cs typeface="Arial" panose="020B0604020202020204" pitchFamily="34" charset="0"/>
+              </a:rPr>
+              <a:t>packbag</a:t>
+            </a:r>
+            <a:r>
+              <a:rPr lang="en-US" altLang="ja-JP" dirty="0">
+                <a:latin typeface="Arial" panose="020B0604020202020204" pitchFamily="34" charset="0"/>
+                <a:ea typeface="ＭＳ ゴシック" panose="020B0609070205080204" pitchFamily="49" charset="-128"/>
+                <a:cs typeface="Arial" panose="020B0604020202020204" pitchFamily="34" charset="0"/>
+              </a:rPr>
+              <a:t>-plus-single-template' %}</a:t>
+            </a:r>
+          </a:p>
+          <a:p>
+            <a:pPr algn="l"/>
+            <a:endParaRPr lang="en-US" altLang="ja-JP" dirty="0">
+              <a:latin typeface="Arial" panose="020B0604020202020204" pitchFamily="34" charset="0"/>
+              <a:ea typeface="ＭＳ ゴシック" panose="020B0609070205080204" pitchFamily="49" charset="-128"/>
+              <a:cs typeface="Arial" panose="020B0604020202020204" pitchFamily="34" charset="0"/>
+            </a:endParaRPr>
+          </a:p>
+          <a:p>
+            <a:pPr algn="l"/>
+            <a:r>
+              <a:rPr lang="ja-JP" altLang="en-US" dirty="0">
+                <a:latin typeface="Arial" panose="020B0604020202020204" pitchFamily="34" charset="0"/>
+                <a:ea typeface="ＭＳ ゴシック" panose="020B0609070205080204" pitchFamily="49" charset="-128"/>
+                <a:cs typeface="Arial" panose="020B0604020202020204" pitchFamily="34" charset="0"/>
+              </a:rPr>
+              <a:t>誤り</a:t>
+            </a:r>
+            <a:endParaRPr lang="en-US" altLang="ja-JP" dirty="0">
+              <a:latin typeface="Arial" panose="020B0604020202020204" pitchFamily="34" charset="0"/>
+              <a:ea typeface="ＭＳ ゴシック" panose="020B0609070205080204" pitchFamily="49" charset="-128"/>
+              <a:cs typeface="Arial" panose="020B0604020202020204" pitchFamily="34" charset="0"/>
+            </a:endParaRPr>
+          </a:p>
+          <a:p>
+            <a:pPr algn="l"/>
+            <a:r>
+              <a:rPr lang="en-US" altLang="ja-JP" dirty="0">
+                <a:latin typeface="Arial" panose="020B0604020202020204" pitchFamily="34" charset="0"/>
+                <a:ea typeface="ＭＳ ゴシック" panose="020B0609070205080204" pitchFamily="49" charset="-128"/>
+                <a:cs typeface="Arial" panose="020B0604020202020204" pitchFamily="34" charset="0"/>
+              </a:rPr>
+              <a:t>div</a:t>
+            </a:r>
+            <a:r>
+              <a:rPr lang="ja-JP" altLang="en-US" dirty="0">
+                <a:latin typeface="Arial" panose="020B0604020202020204" pitchFamily="34" charset="0"/>
+                <a:ea typeface="ＭＳ ゴシック" panose="020B0609070205080204" pitchFamily="49" charset="-128"/>
+                <a:cs typeface="Arial" panose="020B0604020202020204" pitchFamily="34" charset="0"/>
+              </a:rPr>
+              <a:t>タグの </a:t>
+            </a:r>
+            <a:r>
+              <a:rPr lang="en-US" altLang="ja-JP" dirty="0">
+                <a:latin typeface="Arial" panose="020B0604020202020204" pitchFamily="34" charset="0"/>
+                <a:ea typeface="ＭＳ ゴシック" panose="020B0609070205080204" pitchFamily="49" charset="-128"/>
+                <a:cs typeface="Arial" panose="020B0604020202020204" pitchFamily="34" charset="0"/>
+              </a:rPr>
+              <a:t>.section-lp__wrapper</a:t>
+            </a:r>
+          </a:p>
+          <a:p>
+            <a:pPr algn="l"/>
+            <a:r>
+              <a:rPr lang="ja-JP" altLang="en-US" dirty="0">
+                <a:latin typeface="Arial" panose="020B0604020202020204" pitchFamily="34" charset="0"/>
+                <a:ea typeface="ＭＳ ゴシック" panose="020B0609070205080204" pitchFamily="49" charset="-128"/>
+                <a:cs typeface="Arial" panose="020B0604020202020204" pitchFamily="34" charset="0"/>
+              </a:rPr>
+              <a:t>この</a:t>
+            </a:r>
+            <a:r>
+              <a:rPr lang="en-US" altLang="ja-JP" dirty="0">
+                <a:latin typeface="Arial" panose="020B0604020202020204" pitchFamily="34" charset="0"/>
+                <a:ea typeface="ＭＳ ゴシック" panose="020B0609070205080204" pitchFamily="49" charset="-128"/>
+                <a:cs typeface="Arial" panose="020B0604020202020204" pitchFamily="34" charset="0"/>
+              </a:rPr>
+              <a:t>class</a:t>
+            </a:r>
+            <a:r>
+              <a:rPr lang="ja-JP" altLang="en-US" dirty="0">
+                <a:latin typeface="Arial" panose="020B0604020202020204" pitchFamily="34" charset="0"/>
+                <a:ea typeface="ＭＳ ゴシック" panose="020B0609070205080204" pitchFamily="49" charset="-128"/>
+                <a:cs typeface="Arial" panose="020B0604020202020204" pitchFamily="34" charset="0"/>
+              </a:rPr>
+              <a:t>に </a:t>
+            </a:r>
+            <a:r>
+              <a:rPr lang="en-US" altLang="ja-JP" dirty="0">
+                <a:latin typeface="Arial" panose="020B0604020202020204" pitchFamily="34" charset="0"/>
+                <a:ea typeface="ＭＳ ゴシック" panose="020B0609070205080204" pitchFamily="49" charset="-128"/>
+                <a:cs typeface="Arial" panose="020B0604020202020204" pitchFamily="34" charset="0"/>
+              </a:rPr>
+              <a:t>.section-</a:t>
+            </a:r>
+            <a:r>
+              <a:rPr lang="en-US" altLang="ja-JP" dirty="0" err="1">
+                <a:latin typeface="Arial" panose="020B0604020202020204" pitchFamily="34" charset="0"/>
+                <a:ea typeface="ＭＳ ゴシック" panose="020B0609070205080204" pitchFamily="49" charset="-128"/>
+                <a:cs typeface="Arial" panose="020B0604020202020204" pitchFamily="34" charset="0"/>
+              </a:rPr>
+              <a:t>lp</a:t>
+            </a:r>
+            <a:r>
+              <a:rPr lang="en-US" altLang="ja-JP" dirty="0">
+                <a:latin typeface="Arial" panose="020B0604020202020204" pitchFamily="34" charset="0"/>
+                <a:ea typeface="ＭＳ ゴシック" panose="020B0609070205080204" pitchFamily="49" charset="-128"/>
+                <a:cs typeface="Arial" panose="020B0604020202020204" pitchFamily="34" charset="0"/>
+              </a:rPr>
+              <a:t>__wrapper—wide</a:t>
+            </a:r>
+            <a:r>
+              <a:rPr lang="ja-JP" altLang="en-US" dirty="0">
+                <a:latin typeface="Arial" panose="020B0604020202020204" pitchFamily="34" charset="0"/>
+                <a:ea typeface="ＭＳ ゴシック" panose="020B0609070205080204" pitchFamily="49" charset="-128"/>
+                <a:cs typeface="Arial" panose="020B0604020202020204" pitchFamily="34" charset="0"/>
+              </a:rPr>
+              <a:t> のクラスを追加</a:t>
+            </a:r>
+            <a:endParaRPr lang="en-US" altLang="ja-JP" dirty="0">
+              <a:latin typeface="Arial" panose="020B0604020202020204" pitchFamily="34" charset="0"/>
+              <a:ea typeface="ＭＳ ゴシック" panose="020B0609070205080204" pitchFamily="49" charset="-128"/>
+              <a:cs typeface="Arial" panose="020B0604020202020204" pitchFamily="34" charset="0"/>
+            </a:endParaRPr>
+          </a:p>
+          <a:p>
+            <a:pPr algn="l"/>
+            <a:endParaRPr lang="en-US" altLang="ja-JP" dirty="0">
+              <a:latin typeface="Arial" panose="020B0604020202020204" pitchFamily="34" charset="0"/>
+              <a:ea typeface="ＭＳ ゴシック" panose="020B0609070205080204" pitchFamily="49" charset="-128"/>
+              <a:cs typeface="Arial" panose="020B0604020202020204" pitchFamily="34" charset="0"/>
+            </a:endParaRPr>
+          </a:p>
+          <a:p>
+            <a:pPr algn="l"/>
+            <a:endParaRPr lang="en-US" altLang="ja-JP" dirty="0">
+              <a:latin typeface="Arial" panose="020B0604020202020204" pitchFamily="34" charset="0"/>
+              <a:ea typeface="ＭＳ ゴシック" panose="020B0609070205080204" pitchFamily="49" charset="-128"/>
+              <a:cs typeface="Arial" panose="020B0604020202020204" pitchFamily="34" charset="0"/>
+            </a:endParaRPr>
+          </a:p>
+          <a:p>
+            <a:pPr algn="l"/>
+            <a:endParaRPr lang="en-US" altLang="ja-JP" dirty="0">
+              <a:latin typeface="Arial" panose="020B0604020202020204" pitchFamily="34" charset="0"/>
+              <a:ea typeface="ＭＳ ゴシック" panose="020B0609070205080204" pitchFamily="49" charset="-128"/>
+              <a:cs typeface="Arial" panose="020B0604020202020204" pitchFamily="34" charset="0"/>
+            </a:endParaRPr>
+          </a:p>
+        </p:txBody>
+      </p:sp>
+      <p:pic>
+        <p:nvPicPr>
+          <p:cNvPr id="3" name="図 2">
+            <a:extLst>
+              <a:ext uri="{FF2B5EF4-FFF2-40B4-BE49-F238E27FC236}">
+                <a16:creationId xmlns:a16="http://schemas.microsoft.com/office/drawing/2014/main" id="{A9575810-8EC2-B6A3-E45E-E7578383758D}"/>
+              </a:ext>
+            </a:extLst>
+          </p:cNvPr>
+          <p:cNvPicPr>
+            <a:picLocks noChangeAspect="1"/>
+          </p:cNvPicPr>
+          <p:nvPr/>
+        </p:nvPicPr>
+        <p:blipFill>
+          <a:blip r:embed="rId2"/>
+          <a:stretch>
+            <a:fillRect/>
+          </a:stretch>
+        </p:blipFill>
+        <p:spPr>
+          <a:xfrm>
+            <a:off x="6239538" y="399489"/>
+            <a:ext cx="5621125" cy="3585764"/>
+          </a:xfrm>
+          <a:prstGeom prst="rect">
+            <a:avLst/>
+          </a:prstGeom>
+        </p:spPr>
+      </p:pic>
     </p:spTree>
     <p:extLst>
       <p:ext uri="{BB962C8B-B14F-4D97-AF65-F5344CB8AC3E}">

--- a/作業メモ.pptx
+++ b/作業メモ.pptx
@@ -6,6 +6,10 @@
   </p:sldMasterIdLst>
   <p:sldIdLst>
     <p:sldId id="261" r:id="rId2"/>
+    <p:sldId id="262" r:id="rId3"/>
+    <p:sldId id="263" r:id="rId4"/>
+    <p:sldId id="264" r:id="rId5"/>
+    <p:sldId id="265" r:id="rId6"/>
   </p:sldIdLst>
   <p:sldSz cx="12192000" cy="6858000"/>
   <p:notesSz cx="6858000" cy="9144000"/>
@@ -259,7 +263,7 @@
           <a:p>
             <a:fld id="{68ABA0AB-8B54-469B-8F7A-7AFA34365840}" type="datetimeFigureOut">
               <a:rPr kumimoji="1" lang="ja-JP" altLang="en-US" smtClean="0"/>
-              <a:t>2024/9/18</a:t>
+              <a:t>2024/9/19</a:t>
             </a:fld>
             <a:endParaRPr kumimoji="1" lang="ja-JP" altLang="en-US"/>
           </a:p>
@@ -489,7 +493,7 @@
           <a:p>
             <a:fld id="{68ABA0AB-8B54-469B-8F7A-7AFA34365840}" type="datetimeFigureOut">
               <a:rPr kumimoji="1" lang="ja-JP" altLang="en-US" smtClean="0"/>
-              <a:t>2024/9/18</a:t>
+              <a:t>2024/9/19</a:t>
             </a:fld>
             <a:endParaRPr kumimoji="1" lang="ja-JP" altLang="en-US"/>
           </a:p>
@@ -729,7 +733,7 @@
           <a:p>
             <a:fld id="{68ABA0AB-8B54-469B-8F7A-7AFA34365840}" type="datetimeFigureOut">
               <a:rPr kumimoji="1" lang="ja-JP" altLang="en-US" smtClean="0"/>
-              <a:t>2024/9/18</a:t>
+              <a:t>2024/9/19</a:t>
             </a:fld>
             <a:endParaRPr kumimoji="1" lang="ja-JP" altLang="en-US"/>
           </a:p>
@@ -959,7 +963,7 @@
           <a:p>
             <a:fld id="{68ABA0AB-8B54-469B-8F7A-7AFA34365840}" type="datetimeFigureOut">
               <a:rPr kumimoji="1" lang="ja-JP" altLang="en-US" smtClean="0"/>
-              <a:t>2024/9/18</a:t>
+              <a:t>2024/9/19</a:t>
             </a:fld>
             <a:endParaRPr kumimoji="1" lang="ja-JP" altLang="en-US"/>
           </a:p>
@@ -1234,7 +1238,7 @@
           <a:p>
             <a:fld id="{68ABA0AB-8B54-469B-8F7A-7AFA34365840}" type="datetimeFigureOut">
               <a:rPr kumimoji="1" lang="ja-JP" altLang="en-US" smtClean="0"/>
-              <a:t>2024/9/18</a:t>
+              <a:t>2024/9/19</a:t>
             </a:fld>
             <a:endParaRPr kumimoji="1" lang="ja-JP" altLang="en-US"/>
           </a:p>
@@ -1563,7 +1567,7 @@
           <a:p>
             <a:fld id="{68ABA0AB-8B54-469B-8F7A-7AFA34365840}" type="datetimeFigureOut">
               <a:rPr kumimoji="1" lang="ja-JP" altLang="en-US" smtClean="0"/>
-              <a:t>2024/9/18</a:t>
+              <a:t>2024/9/19</a:t>
             </a:fld>
             <a:endParaRPr kumimoji="1" lang="ja-JP" altLang="en-US"/>
           </a:p>
@@ -2039,7 +2043,7 @@
           <a:p>
             <a:fld id="{68ABA0AB-8B54-469B-8F7A-7AFA34365840}" type="datetimeFigureOut">
               <a:rPr kumimoji="1" lang="ja-JP" altLang="en-US" smtClean="0"/>
-              <a:t>2024/9/18</a:t>
+              <a:t>2024/9/19</a:t>
             </a:fld>
             <a:endParaRPr kumimoji="1" lang="ja-JP" altLang="en-US"/>
           </a:p>
@@ -2180,7 +2184,7 @@
           <a:p>
             <a:fld id="{68ABA0AB-8B54-469B-8F7A-7AFA34365840}" type="datetimeFigureOut">
               <a:rPr kumimoji="1" lang="ja-JP" altLang="en-US" smtClean="0"/>
-              <a:t>2024/9/18</a:t>
+              <a:t>2024/9/19</a:t>
             </a:fld>
             <a:endParaRPr kumimoji="1" lang="ja-JP" altLang="en-US"/>
           </a:p>
@@ -2293,7 +2297,7 @@
           <a:p>
             <a:fld id="{68ABA0AB-8B54-469B-8F7A-7AFA34365840}" type="datetimeFigureOut">
               <a:rPr kumimoji="1" lang="ja-JP" altLang="en-US" smtClean="0"/>
-              <a:t>2024/9/18</a:t>
+              <a:t>2024/9/19</a:t>
             </a:fld>
             <a:endParaRPr kumimoji="1" lang="ja-JP" altLang="en-US"/>
           </a:p>
@@ -2636,7 +2640,7 @@
           <a:p>
             <a:fld id="{68ABA0AB-8B54-469B-8F7A-7AFA34365840}" type="datetimeFigureOut">
               <a:rPr kumimoji="1" lang="ja-JP" altLang="en-US" smtClean="0"/>
-              <a:t>2024/9/18</a:t>
+              <a:t>2024/9/19</a:t>
             </a:fld>
             <a:endParaRPr kumimoji="1" lang="ja-JP" altLang="en-US"/>
           </a:p>
@@ -2924,7 +2928,7 @@
           <a:p>
             <a:fld id="{68ABA0AB-8B54-469B-8F7A-7AFA34365840}" type="datetimeFigureOut">
               <a:rPr kumimoji="1" lang="ja-JP" altLang="en-US" smtClean="0"/>
-              <a:t>2024/9/18</a:t>
+              <a:t>2024/9/19</a:t>
             </a:fld>
             <a:endParaRPr kumimoji="1" lang="ja-JP" altLang="en-US"/>
           </a:p>
@@ -3197,7 +3201,7 @@
           <a:p>
             <a:fld id="{68ABA0AB-8B54-469B-8F7A-7AFA34365840}" type="datetimeFigureOut">
               <a:rPr kumimoji="1" lang="ja-JP" altLang="en-US" smtClean="0"/>
-              <a:t>2024/9/18</a:t>
+              <a:t>2024/9/19</a:t>
             </a:fld>
             <a:endParaRPr kumimoji="1" lang="ja-JP" altLang="en-US"/>
           </a:p>
@@ -4012,6 +4016,565 @@
 </p:sld>
 </file>
 
+<file path=ppt/slides/slide2.xml><?xml version="1.0" encoding="utf-8"?>
+<p:sld xmlns:a="http://schemas.openxmlformats.org/drawingml/2006/main" xmlns:r="http://schemas.openxmlformats.org/officeDocument/2006/relationships" xmlns:p="http://schemas.openxmlformats.org/presentationml/2006/main">
+  <p:cSld>
+    <p:spTree>
+      <p:nvGrpSpPr>
+        <p:cNvPr id="1" name=""/>
+        <p:cNvGrpSpPr/>
+        <p:nvPr/>
+      </p:nvGrpSpPr>
+      <p:grpSpPr>
+        <a:xfrm>
+          <a:off x="0" y="0"/>
+          <a:ext cx="0" cy="0"/>
+          <a:chOff x="0" y="0"/>
+          <a:chExt cx="0" cy="0"/>
+        </a:xfrm>
+      </p:grpSpPr>
+      <p:pic>
+        <p:nvPicPr>
+          <p:cNvPr id="5" name="図 4">
+            <a:extLst>
+              <a:ext uri="{FF2B5EF4-FFF2-40B4-BE49-F238E27FC236}">
+                <a16:creationId xmlns:a16="http://schemas.microsoft.com/office/drawing/2014/main" id="{17C97F2B-7D9C-F1D8-26FB-AA9708822608}"/>
+              </a:ext>
+            </a:extLst>
+          </p:cNvPr>
+          <p:cNvPicPr>
+            <a:picLocks noChangeAspect="1"/>
+          </p:cNvPicPr>
+          <p:nvPr/>
+        </p:nvPicPr>
+        <p:blipFill>
+          <a:blip r:embed="rId2"/>
+          <a:stretch>
+            <a:fillRect/>
+          </a:stretch>
+        </p:blipFill>
+        <p:spPr>
+          <a:xfrm>
+            <a:off x="1150408" y="1750741"/>
+            <a:ext cx="9891183" cy="4414768"/>
+          </a:xfrm>
+          <a:prstGeom prst="rect">
+            <a:avLst/>
+          </a:prstGeom>
+        </p:spPr>
+      </p:pic>
+      <p:sp>
+        <p:nvSpPr>
+          <p:cNvPr id="6" name="テキスト ボックス 5">
+            <a:extLst>
+              <a:ext uri="{FF2B5EF4-FFF2-40B4-BE49-F238E27FC236}">
+                <a16:creationId xmlns:a16="http://schemas.microsoft.com/office/drawing/2014/main" id="{4AA46077-FEBC-B707-B099-486DFC3E4483}"/>
+              </a:ext>
+            </a:extLst>
+          </p:cNvPr>
+          <p:cNvSpPr txBox="1"/>
+          <p:nvPr/>
+        </p:nvSpPr>
+        <p:spPr>
+          <a:xfrm>
+            <a:off x="225084" y="161046"/>
+            <a:ext cx="10311618" cy="1200329"/>
+          </a:xfrm>
+          <a:prstGeom prst="rect">
+            <a:avLst/>
+          </a:prstGeom>
+          <a:noFill/>
+        </p:spPr>
+        <p:txBody>
+          <a:bodyPr wrap="square" rtlCol="0">
+            <a:spAutoFit/>
+          </a:bodyPr>
+          <a:lstStyle/>
+          <a:p>
+            <a:pPr algn="l"/>
+            <a:r>
+              <a:rPr lang="ja-JP" altLang="en-US" dirty="0">
+                <a:latin typeface="Arial" panose="020B0604020202020204" pitchFamily="34" charset="0"/>
+                <a:ea typeface="ＭＳ ゴシック" panose="020B0609070205080204" pitchFamily="49" charset="-128"/>
+                <a:cs typeface="Arial" panose="020B0604020202020204" pitchFamily="34" charset="0"/>
+              </a:rPr>
+              <a:t>編集対象</a:t>
+            </a:r>
+            <a:endParaRPr lang="en-US" altLang="ja-JP" dirty="0">
+              <a:latin typeface="Arial" panose="020B0604020202020204" pitchFamily="34" charset="0"/>
+              <a:ea typeface="ＭＳ ゴシック" panose="020B0609070205080204" pitchFamily="49" charset="-128"/>
+              <a:cs typeface="Arial" panose="020B0604020202020204" pitchFamily="34" charset="0"/>
+            </a:endParaRPr>
+          </a:p>
+          <a:p>
+            <a:pPr algn="l"/>
+            <a:r>
+              <a:rPr lang="ja-JP" altLang="en-US" dirty="0">
+                <a:latin typeface="Arial" panose="020B0604020202020204" pitchFamily="34" charset="0"/>
+                <a:ea typeface="ＭＳ ゴシック" panose="020B0609070205080204" pitchFamily="49" charset="-128"/>
+                <a:cs typeface="Arial" panose="020B0604020202020204" pitchFamily="34" charset="0"/>
+              </a:rPr>
+              <a:t>商品ページの</a:t>
+            </a:r>
+            <a:r>
+              <a:rPr lang="en-US" altLang="ja-JP" dirty="0" err="1">
+                <a:latin typeface="Arial" panose="020B0604020202020204" pitchFamily="34" charset="0"/>
+                <a:ea typeface="ＭＳ ゴシック" panose="020B0609070205080204" pitchFamily="49" charset="-128"/>
+                <a:cs typeface="Arial" panose="020B0604020202020204" pitchFamily="34" charset="0"/>
+              </a:rPr>
+              <a:t>packBag</a:t>
+            </a:r>
+            <a:r>
+              <a:rPr lang="en-US" altLang="ja-JP" dirty="0">
+                <a:latin typeface="Arial" panose="020B0604020202020204" pitchFamily="34" charset="0"/>
+                <a:ea typeface="ＭＳ ゴシック" panose="020B0609070205080204" pitchFamily="49" charset="-128"/>
+                <a:cs typeface="Arial" panose="020B0604020202020204" pitchFamily="34" charset="0"/>
+              </a:rPr>
+              <a:t>+</a:t>
+            </a:r>
+            <a:r>
+              <a:rPr lang="ja-JP" altLang="en-US" dirty="0">
+                <a:latin typeface="Arial" panose="020B0604020202020204" pitchFamily="34" charset="0"/>
+                <a:ea typeface="ＭＳ ゴシック" panose="020B0609070205080204" pitchFamily="49" charset="-128"/>
+                <a:cs typeface="Arial" panose="020B0604020202020204" pitchFamily="34" charset="0"/>
+              </a:rPr>
+              <a:t>のすぐ下の</a:t>
+            </a:r>
+            <a:r>
+              <a:rPr lang="en-US" altLang="ja-JP" dirty="0">
+                <a:latin typeface="Arial" panose="020B0604020202020204" pitchFamily="34" charset="0"/>
+                <a:ea typeface="ＭＳ ゴシック" panose="020B0609070205080204" pitchFamily="49" charset="-128"/>
+                <a:cs typeface="Arial" panose="020B0604020202020204" pitchFamily="34" charset="0"/>
+              </a:rPr>
+              <a:t>font-weight</a:t>
+            </a:r>
+            <a:r>
+              <a:rPr lang="ja-JP" altLang="en-US" dirty="0">
+                <a:latin typeface="Arial" panose="020B0604020202020204" pitchFamily="34" charset="0"/>
+                <a:ea typeface="ＭＳ ゴシック" panose="020B0609070205080204" pitchFamily="49" charset="-128"/>
+                <a:cs typeface="Arial" panose="020B0604020202020204" pitchFamily="34" charset="0"/>
+              </a:rPr>
+              <a:t>：</a:t>
+            </a:r>
+            <a:r>
+              <a:rPr lang="en-US" altLang="ja-JP" dirty="0">
+                <a:latin typeface="Arial" panose="020B0604020202020204" pitchFamily="34" charset="0"/>
+                <a:ea typeface="ＭＳ ゴシック" panose="020B0609070205080204" pitchFamily="49" charset="-128"/>
+                <a:cs typeface="Arial" panose="020B0604020202020204" pitchFamily="34" charset="0"/>
+              </a:rPr>
+              <a:t>700;</a:t>
+            </a:r>
+          </a:p>
+          <a:p>
+            <a:pPr algn="l"/>
+            <a:endParaRPr lang="en-US" altLang="ja-JP" dirty="0">
+              <a:latin typeface="Arial" panose="020B0604020202020204" pitchFamily="34" charset="0"/>
+              <a:ea typeface="ＭＳ ゴシック" panose="020B0609070205080204" pitchFamily="49" charset="-128"/>
+              <a:cs typeface="Arial" panose="020B0604020202020204" pitchFamily="34" charset="0"/>
+            </a:endParaRPr>
+          </a:p>
+          <a:p>
+            <a:pPr algn="l"/>
+            <a:endParaRPr lang="en-US" altLang="ja-JP" dirty="0">
+              <a:latin typeface="Arial" panose="020B0604020202020204" pitchFamily="34" charset="0"/>
+              <a:ea typeface="ＭＳ ゴシック" panose="020B0609070205080204" pitchFamily="49" charset="-128"/>
+              <a:cs typeface="Arial" panose="020B0604020202020204" pitchFamily="34" charset="0"/>
+            </a:endParaRPr>
+          </a:p>
+        </p:txBody>
+      </p:sp>
+    </p:spTree>
+    <p:extLst>
+      <p:ext uri="{BB962C8B-B14F-4D97-AF65-F5344CB8AC3E}">
+        <p14:creationId xmlns:p14="http://schemas.microsoft.com/office/powerpoint/2010/main" val="877307208"/>
+      </p:ext>
+    </p:extLst>
+  </p:cSld>
+  <p:clrMapOvr>
+    <a:masterClrMapping/>
+  </p:clrMapOvr>
+</p:sld>
+</file>
+
+<file path=ppt/slides/slide3.xml><?xml version="1.0" encoding="utf-8"?>
+<p:sld xmlns:a="http://schemas.openxmlformats.org/drawingml/2006/main" xmlns:r="http://schemas.openxmlformats.org/officeDocument/2006/relationships" xmlns:p="http://schemas.openxmlformats.org/presentationml/2006/main">
+  <p:cSld>
+    <p:spTree>
+      <p:nvGrpSpPr>
+        <p:cNvPr id="1" name=""/>
+        <p:cNvGrpSpPr/>
+        <p:nvPr/>
+      </p:nvGrpSpPr>
+      <p:grpSpPr>
+        <a:xfrm>
+          <a:off x="0" y="0"/>
+          <a:ext cx="0" cy="0"/>
+          <a:chOff x="0" y="0"/>
+          <a:chExt cx="0" cy="0"/>
+        </a:xfrm>
+      </p:grpSpPr>
+      <p:pic>
+        <p:nvPicPr>
+          <p:cNvPr id="5" name="図 4">
+            <a:extLst>
+              <a:ext uri="{FF2B5EF4-FFF2-40B4-BE49-F238E27FC236}">
+                <a16:creationId xmlns:a16="http://schemas.microsoft.com/office/drawing/2014/main" id="{6FD06689-ED4D-BC93-BCBF-709BAC36A20A}"/>
+              </a:ext>
+            </a:extLst>
+          </p:cNvPr>
+          <p:cNvPicPr>
+            <a:picLocks noChangeAspect="1"/>
+          </p:cNvPicPr>
+          <p:nvPr/>
+        </p:nvPicPr>
+        <p:blipFill>
+          <a:blip r:embed="rId2"/>
+          <a:stretch>
+            <a:fillRect/>
+          </a:stretch>
+        </p:blipFill>
+        <p:spPr>
+          <a:xfrm>
+            <a:off x="3127130" y="2334523"/>
+            <a:ext cx="7944959" cy="3772426"/>
+          </a:xfrm>
+          <a:prstGeom prst="rect">
+            <a:avLst/>
+          </a:prstGeom>
+        </p:spPr>
+      </p:pic>
+      <p:sp>
+        <p:nvSpPr>
+          <p:cNvPr id="6" name="テキスト ボックス 5">
+            <a:extLst>
+              <a:ext uri="{FF2B5EF4-FFF2-40B4-BE49-F238E27FC236}">
+                <a16:creationId xmlns:a16="http://schemas.microsoft.com/office/drawing/2014/main" id="{7686E8C5-FF87-BADD-BD56-52A1286D7749}"/>
+              </a:ext>
+            </a:extLst>
+          </p:cNvPr>
+          <p:cNvSpPr txBox="1"/>
+          <p:nvPr/>
+        </p:nvSpPr>
+        <p:spPr>
+          <a:xfrm>
+            <a:off x="225084" y="161046"/>
+            <a:ext cx="10311618" cy="923330"/>
+          </a:xfrm>
+          <a:prstGeom prst="rect">
+            <a:avLst/>
+          </a:prstGeom>
+          <a:noFill/>
+        </p:spPr>
+        <p:txBody>
+          <a:bodyPr wrap="square" rtlCol="0">
+            <a:spAutoFit/>
+          </a:bodyPr>
+          <a:lstStyle/>
+          <a:p>
+            <a:pPr algn="l"/>
+            <a:r>
+              <a:rPr lang="ja-JP" altLang="en-US" dirty="0">
+                <a:latin typeface="Arial" panose="020B0604020202020204" pitchFamily="34" charset="0"/>
+                <a:ea typeface="ＭＳ ゴシック" panose="020B0609070205080204" pitchFamily="49" charset="-128"/>
+                <a:cs typeface="Arial" panose="020B0604020202020204" pitchFamily="34" charset="0"/>
+              </a:rPr>
+              <a:t>編集対象</a:t>
+            </a:r>
+            <a:endParaRPr lang="en-US" altLang="ja-JP" dirty="0">
+              <a:latin typeface="Arial" panose="020B0604020202020204" pitchFamily="34" charset="0"/>
+              <a:ea typeface="ＭＳ ゴシック" panose="020B0609070205080204" pitchFamily="49" charset="-128"/>
+              <a:cs typeface="Arial" panose="020B0604020202020204" pitchFamily="34" charset="0"/>
+            </a:endParaRPr>
+          </a:p>
+          <a:p>
+            <a:pPr algn="l"/>
+            <a:r>
+              <a:rPr lang="ja-JP" altLang="en-US" dirty="0">
+                <a:latin typeface="Arial" panose="020B0604020202020204" pitchFamily="34" charset="0"/>
+                <a:ea typeface="ＭＳ ゴシック" panose="020B0609070205080204" pitchFamily="49" charset="-128"/>
+                <a:cs typeface="Arial" panose="020B0604020202020204" pitchFamily="34" charset="0"/>
+              </a:rPr>
+              <a:t>商品ページの</a:t>
+            </a:r>
+            <a:r>
+              <a:rPr lang="en-US" altLang="ja-JP" dirty="0" err="1">
+                <a:latin typeface="Arial" panose="020B0604020202020204" pitchFamily="34" charset="0"/>
+                <a:ea typeface="ＭＳ ゴシック" panose="020B0609070205080204" pitchFamily="49" charset="-128"/>
+                <a:cs typeface="Arial" panose="020B0604020202020204" pitchFamily="34" charset="0"/>
+              </a:rPr>
+              <a:t>packBag</a:t>
+            </a:r>
+            <a:r>
+              <a:rPr lang="en-US" altLang="ja-JP" dirty="0">
+                <a:latin typeface="Arial" panose="020B0604020202020204" pitchFamily="34" charset="0"/>
+                <a:ea typeface="ＭＳ ゴシック" panose="020B0609070205080204" pitchFamily="49" charset="-128"/>
+                <a:cs typeface="Arial" panose="020B0604020202020204" pitchFamily="34" charset="0"/>
+              </a:rPr>
+              <a:t>+</a:t>
+            </a:r>
+            <a:r>
+              <a:rPr lang="ja-JP" altLang="en-US" dirty="0">
+                <a:latin typeface="Arial" panose="020B0604020202020204" pitchFamily="34" charset="0"/>
+                <a:ea typeface="ＭＳ ゴシック" panose="020B0609070205080204" pitchFamily="49" charset="-128"/>
+                <a:cs typeface="Arial" panose="020B0604020202020204" pitchFamily="34" charset="0"/>
+              </a:rPr>
+              <a:t>の数字のフォント</a:t>
+            </a:r>
+            <a:endParaRPr lang="en-US" altLang="ja-JP" dirty="0">
+              <a:latin typeface="Arial" panose="020B0604020202020204" pitchFamily="34" charset="0"/>
+              <a:ea typeface="ＭＳ ゴシック" panose="020B0609070205080204" pitchFamily="49" charset="-128"/>
+              <a:cs typeface="Arial" panose="020B0604020202020204" pitchFamily="34" charset="0"/>
+            </a:endParaRPr>
+          </a:p>
+          <a:p>
+            <a:pPr algn="l"/>
+            <a:r>
+              <a:rPr lang="en-US" altLang="ja-JP" dirty="0">
+                <a:latin typeface="Arial" panose="020B0604020202020204" pitchFamily="34" charset="0"/>
+                <a:ea typeface="ＭＳ ゴシック" panose="020B0609070205080204" pitchFamily="49" charset="-128"/>
+                <a:cs typeface="Arial" panose="020B0604020202020204" pitchFamily="34" charset="0"/>
+              </a:rPr>
+              <a:t>din-2014-narrow, sans-serif</a:t>
+            </a:r>
+          </a:p>
+        </p:txBody>
+      </p:sp>
+    </p:spTree>
+    <p:extLst>
+      <p:ext uri="{BB962C8B-B14F-4D97-AF65-F5344CB8AC3E}">
+        <p14:creationId xmlns:p14="http://schemas.microsoft.com/office/powerpoint/2010/main" val="253611016"/>
+      </p:ext>
+    </p:extLst>
+  </p:cSld>
+  <p:clrMapOvr>
+    <a:masterClrMapping/>
+  </p:clrMapOvr>
+</p:sld>
+</file>
+
+<file path=ppt/slides/slide4.xml><?xml version="1.0" encoding="utf-8"?>
+<p:sld xmlns:a="http://schemas.openxmlformats.org/drawingml/2006/main" xmlns:r="http://schemas.openxmlformats.org/officeDocument/2006/relationships" xmlns:p="http://schemas.openxmlformats.org/presentationml/2006/main">
+  <p:cSld>
+    <p:spTree>
+      <p:nvGrpSpPr>
+        <p:cNvPr id="1" name=""/>
+        <p:cNvGrpSpPr/>
+        <p:nvPr/>
+      </p:nvGrpSpPr>
+      <p:grpSpPr>
+        <a:xfrm>
+          <a:off x="0" y="0"/>
+          <a:ext cx="0" cy="0"/>
+          <a:chOff x="0" y="0"/>
+          <a:chExt cx="0" cy="0"/>
+        </a:xfrm>
+      </p:grpSpPr>
+      <p:pic>
+        <p:nvPicPr>
+          <p:cNvPr id="5" name="図 4">
+            <a:extLst>
+              <a:ext uri="{FF2B5EF4-FFF2-40B4-BE49-F238E27FC236}">
+                <a16:creationId xmlns:a16="http://schemas.microsoft.com/office/drawing/2014/main" id="{21A2AF86-AD42-48BE-53E1-4203454A10A7}"/>
+              </a:ext>
+            </a:extLst>
+          </p:cNvPr>
+          <p:cNvPicPr>
+            <a:picLocks noChangeAspect="1"/>
+          </p:cNvPicPr>
+          <p:nvPr/>
+        </p:nvPicPr>
+        <p:blipFill>
+          <a:blip r:embed="rId2"/>
+          <a:stretch>
+            <a:fillRect/>
+          </a:stretch>
+        </p:blipFill>
+        <p:spPr>
+          <a:xfrm>
+            <a:off x="3724421" y="2875612"/>
+            <a:ext cx="7887801" cy="3448531"/>
+          </a:xfrm>
+          <a:prstGeom prst="rect">
+            <a:avLst/>
+          </a:prstGeom>
+        </p:spPr>
+      </p:pic>
+      <p:sp>
+        <p:nvSpPr>
+          <p:cNvPr id="6" name="テキスト ボックス 5">
+            <a:extLst>
+              <a:ext uri="{FF2B5EF4-FFF2-40B4-BE49-F238E27FC236}">
+                <a16:creationId xmlns:a16="http://schemas.microsoft.com/office/drawing/2014/main" id="{1438D576-867D-AA83-8F77-2983C01CBF07}"/>
+              </a:ext>
+            </a:extLst>
+          </p:cNvPr>
+          <p:cNvSpPr txBox="1"/>
+          <p:nvPr/>
+        </p:nvSpPr>
+        <p:spPr>
+          <a:xfrm>
+            <a:off x="225084" y="161046"/>
+            <a:ext cx="10311618" cy="1200329"/>
+          </a:xfrm>
+          <a:prstGeom prst="rect">
+            <a:avLst/>
+          </a:prstGeom>
+          <a:noFill/>
+        </p:spPr>
+        <p:txBody>
+          <a:bodyPr wrap="square" rtlCol="0">
+            <a:spAutoFit/>
+          </a:bodyPr>
+          <a:lstStyle/>
+          <a:p>
+            <a:pPr algn="l"/>
+            <a:r>
+              <a:rPr lang="ja-JP" altLang="en-US" dirty="0">
+                <a:latin typeface="Arial" panose="020B0604020202020204" pitchFamily="34" charset="0"/>
+                <a:ea typeface="ＭＳ ゴシック" panose="020B0609070205080204" pitchFamily="49" charset="-128"/>
+                <a:cs typeface="Arial" panose="020B0604020202020204" pitchFamily="34" charset="0"/>
+              </a:rPr>
+              <a:t>編集対象</a:t>
+            </a:r>
+            <a:endParaRPr lang="en-US" altLang="ja-JP" dirty="0">
+              <a:latin typeface="Arial" panose="020B0604020202020204" pitchFamily="34" charset="0"/>
+              <a:ea typeface="ＭＳ ゴシック" panose="020B0609070205080204" pitchFamily="49" charset="-128"/>
+              <a:cs typeface="Arial" panose="020B0604020202020204" pitchFamily="34" charset="0"/>
+            </a:endParaRPr>
+          </a:p>
+          <a:p>
+            <a:pPr algn="l"/>
+            <a:r>
+              <a:rPr lang="ja-JP" altLang="en-US" dirty="0">
+                <a:latin typeface="Arial" panose="020B0604020202020204" pitchFamily="34" charset="0"/>
+                <a:ea typeface="ＭＳ ゴシック" panose="020B0609070205080204" pitchFamily="49" charset="-128"/>
+                <a:cs typeface="Arial" panose="020B0604020202020204" pitchFamily="34" charset="0"/>
+              </a:rPr>
+              <a:t>商品ページの</a:t>
+            </a:r>
+            <a:r>
+              <a:rPr lang="en-US" altLang="ja-JP" dirty="0" err="1">
+                <a:latin typeface="Arial" panose="020B0604020202020204" pitchFamily="34" charset="0"/>
+                <a:ea typeface="ＭＳ ゴシック" panose="020B0609070205080204" pitchFamily="49" charset="-128"/>
+                <a:cs typeface="Arial" panose="020B0604020202020204" pitchFamily="34" charset="0"/>
+              </a:rPr>
+              <a:t>packBag</a:t>
+            </a:r>
+            <a:r>
+              <a:rPr lang="en-US" altLang="ja-JP" dirty="0">
+                <a:latin typeface="Arial" panose="020B0604020202020204" pitchFamily="34" charset="0"/>
+                <a:ea typeface="ＭＳ ゴシック" panose="020B0609070205080204" pitchFamily="49" charset="-128"/>
+                <a:cs typeface="Arial" panose="020B0604020202020204" pitchFamily="34" charset="0"/>
+              </a:rPr>
+              <a:t>+</a:t>
+            </a:r>
+            <a:r>
+              <a:rPr lang="ja-JP" altLang="en-US" dirty="0">
+                <a:latin typeface="Arial" panose="020B0604020202020204" pitchFamily="34" charset="0"/>
+                <a:ea typeface="ＭＳ ゴシック" panose="020B0609070205080204" pitchFamily="49" charset="-128"/>
+                <a:cs typeface="Arial" panose="020B0604020202020204" pitchFamily="34" charset="0"/>
+              </a:rPr>
+              <a:t>の特定の色</a:t>
+            </a:r>
+            <a:endParaRPr lang="en-US" altLang="ja-JP" dirty="0">
+              <a:latin typeface="Arial" panose="020B0604020202020204" pitchFamily="34" charset="0"/>
+              <a:ea typeface="ＭＳ ゴシック" panose="020B0609070205080204" pitchFamily="49" charset="-128"/>
+              <a:cs typeface="Arial" panose="020B0604020202020204" pitchFamily="34" charset="0"/>
+            </a:endParaRPr>
+          </a:p>
+          <a:p>
+            <a:pPr algn="l"/>
+            <a:endParaRPr lang="en-US" altLang="ja-JP" dirty="0">
+              <a:latin typeface="Arial" panose="020B0604020202020204" pitchFamily="34" charset="0"/>
+              <a:ea typeface="ＭＳ ゴシック" panose="020B0609070205080204" pitchFamily="49" charset="-128"/>
+              <a:cs typeface="Arial" panose="020B0604020202020204" pitchFamily="34" charset="0"/>
+            </a:endParaRPr>
+          </a:p>
+          <a:p>
+            <a:pPr algn="l"/>
+            <a:r>
+              <a:rPr lang="en-US" altLang="ja-JP" dirty="0">
+                <a:latin typeface="Arial" panose="020B0604020202020204" pitchFamily="34" charset="0"/>
+                <a:ea typeface="ＭＳ ゴシック" panose="020B0609070205080204" pitchFamily="49" charset="-128"/>
+                <a:cs typeface="Arial" panose="020B0604020202020204" pitchFamily="34" charset="0"/>
+              </a:rPr>
+              <a:t>class</a:t>
+            </a:r>
+            <a:r>
+              <a:rPr lang="ja-JP" altLang="en-US" dirty="0">
+                <a:latin typeface="Arial" panose="020B0604020202020204" pitchFamily="34" charset="0"/>
+                <a:ea typeface="ＭＳ ゴシック" panose="020B0609070205080204" pitchFamily="49" charset="-128"/>
+                <a:cs typeface="Arial" panose="020B0604020202020204" pitchFamily="34" charset="0"/>
+              </a:rPr>
+              <a:t>名に</a:t>
+            </a:r>
+            <a:r>
+              <a:rPr lang="en-US" altLang="ja-JP" dirty="0">
+                <a:latin typeface="Arial" panose="020B0604020202020204" pitchFamily="34" charset="0"/>
+                <a:ea typeface="ＭＳ ゴシック" panose="020B0609070205080204" pitchFamily="49" charset="-128"/>
+                <a:cs typeface="Arial" panose="020B0604020202020204" pitchFamily="34" charset="0"/>
+              </a:rPr>
+              <a:t>color-43434e</a:t>
+            </a:r>
+            <a:r>
+              <a:rPr lang="ja-JP" altLang="en-US" dirty="0">
+                <a:latin typeface="Arial" panose="020B0604020202020204" pitchFamily="34" charset="0"/>
+                <a:ea typeface="ＭＳ ゴシック" panose="020B0609070205080204" pitchFamily="49" charset="-128"/>
+                <a:cs typeface="Arial" panose="020B0604020202020204" pitchFamily="34" charset="0"/>
+              </a:rPr>
+              <a:t>を追加</a:t>
+            </a:r>
+            <a:endParaRPr lang="en-US" altLang="ja-JP" dirty="0">
+              <a:latin typeface="Arial" panose="020B0604020202020204" pitchFamily="34" charset="0"/>
+              <a:ea typeface="ＭＳ ゴシック" panose="020B0609070205080204" pitchFamily="49" charset="-128"/>
+              <a:cs typeface="Arial" panose="020B0604020202020204" pitchFamily="34" charset="0"/>
+            </a:endParaRPr>
+          </a:p>
+        </p:txBody>
+      </p:sp>
+    </p:spTree>
+    <p:extLst>
+      <p:ext uri="{BB962C8B-B14F-4D97-AF65-F5344CB8AC3E}">
+        <p14:creationId xmlns:p14="http://schemas.microsoft.com/office/powerpoint/2010/main" val="3799162214"/>
+      </p:ext>
+    </p:extLst>
+  </p:cSld>
+  <p:clrMapOvr>
+    <a:masterClrMapping/>
+  </p:clrMapOvr>
+</p:sld>
+</file>
+
+<file path=ppt/slides/slide5.xml><?xml version="1.0" encoding="utf-8"?>
+<p:sld xmlns:a="http://schemas.openxmlformats.org/drawingml/2006/main" xmlns:r="http://schemas.openxmlformats.org/officeDocument/2006/relationships" xmlns:p="http://schemas.openxmlformats.org/presentationml/2006/main">
+  <p:cSld>
+    <p:spTree>
+      <p:nvGrpSpPr>
+        <p:cNvPr id="1" name=""/>
+        <p:cNvGrpSpPr/>
+        <p:nvPr/>
+      </p:nvGrpSpPr>
+      <p:grpSpPr>
+        <a:xfrm>
+          <a:off x="0" y="0"/>
+          <a:ext cx="0" cy="0"/>
+          <a:chOff x="0" y="0"/>
+          <a:chExt cx="0" cy="0"/>
+        </a:xfrm>
+      </p:grpSpPr>
+    </p:spTree>
+    <p:extLst>
+      <p:ext uri="{BB962C8B-B14F-4D97-AF65-F5344CB8AC3E}">
+        <p14:creationId xmlns:p14="http://schemas.microsoft.com/office/powerpoint/2010/main" val="2612041519"/>
+      </p:ext>
+    </p:extLst>
+  </p:cSld>
+  <p:clrMapOvr>
+    <a:masterClrMapping/>
+  </p:clrMapOvr>
+</p:sld>
+</file>
+
 <file path=ppt/theme/theme1.xml><?xml version="1.0" encoding="utf-8"?>
 <a:theme xmlns:a="http://schemas.openxmlformats.org/drawingml/2006/main" name="Office テーマ">
   <a:themeElements>
